--- a/pptx/第10章 对应分析.pptx
+++ b/pptx/第10章 对应分析.pptx
@@ -14442,8 +14442,8 @@
         </p:nvSpPr>
         <p:spPr>
           <a:xfrm>
-            <a:off x="2711450" y="2637155"/>
-            <a:ext cx="6824345" cy="808990"/>
+            <a:off x="2237105" y="2637155"/>
+            <a:ext cx="7703820" cy="768350"/>
           </a:xfrm>
           <a:prstGeom prst="rect">
             <a:avLst/>
@@ -14617,7 +14617,40 @@
                 <a:ea typeface="微软雅黑" panose="020B0503020204020204" pitchFamily="2" charset="-122"/>
                 <a:sym typeface="微软雅黑" panose="020B0503020204020204" pitchFamily="2" charset="-122"/>
               </a:rPr>
-              <a:t>建模 </a:t>
+              <a:t>建模（</a:t>
+            </a:r>
+            <a:r>
+              <a:rPr lang="en-US" altLang="zh-CN" sz="4400" b="1" dirty="0">
+                <a:solidFill>
+                  <a:srgbClr val="1115C3"/>
+                </a:solidFill>
+                <a:latin typeface="微软雅黑" panose="020B0503020204020204" pitchFamily="2" charset="-122"/>
+                <a:ea typeface="微软雅黑" panose="020B0503020204020204" pitchFamily="2" charset="-122"/>
+                <a:sym typeface="微软雅黑" panose="020B0503020204020204" pitchFamily="2" charset="-122"/>
+              </a:rPr>
+              <a:t>5</a:t>
+            </a:r>
+            <a:r>
+              <a:rPr lang="zh-CN" altLang="en-US" sz="4400" b="1" dirty="0">
+                <a:solidFill>
+                  <a:srgbClr val="1115C3"/>
+                </a:solidFill>
+                <a:latin typeface="微软雅黑" panose="020B0503020204020204" pitchFamily="2" charset="-122"/>
+                <a:ea typeface="微软雅黑" panose="020B0503020204020204" pitchFamily="2" charset="-122"/>
+                <a:sym typeface="微软雅黑" panose="020B0503020204020204" pitchFamily="2" charset="-122"/>
+              </a:rPr>
+              <a:t>）</a:t>
+            </a:r>
+            <a:r>
+              <a:rPr lang="zh-CN" altLang="en-US" sz="4400" b="1" dirty="0">
+                <a:solidFill>
+                  <a:srgbClr val="1115C3"/>
+                </a:solidFill>
+                <a:latin typeface="微软雅黑" panose="020B0503020204020204" pitchFamily="2" charset="-122"/>
+                <a:ea typeface="微软雅黑" panose="020B0503020204020204" pitchFamily="2" charset="-122"/>
+                <a:sym typeface="微软雅黑" panose="020B0503020204020204" pitchFamily="2" charset="-122"/>
+              </a:rPr>
+              <a:t> </a:t>
             </a:r>
             <a:endParaRPr lang="zh-CN" altLang="en-US" sz="4400" b="1" dirty="0">
               <a:solidFill>
@@ -16304,7 +16337,7 @@
             </p:nvSpPr>
             <p:spPr>
               <a:xfrm>
-                <a:off x="263596" y="4941105"/>
+                <a:off x="263596" y="5228125"/>
                 <a:ext cx="8208570" cy="1200329"/>
               </a:xfrm>
               <a:prstGeom prst="rect">
@@ -16354,7 +16387,7 @@
         </p:blipFill>
         <p:spPr>
           <a:xfrm>
-            <a:off x="304482" y="3156060"/>
+            <a:off x="263842" y="3359895"/>
             <a:ext cx="7286625" cy="1581150"/>
           </a:xfrm>
           <a:prstGeom prst="rect">
@@ -16378,7 +16411,7 @@
         </p:blipFill>
         <p:spPr>
           <a:xfrm>
-            <a:off x="304482" y="1497248"/>
+            <a:off x="343852" y="1774743"/>
             <a:ext cx="5537200" cy="1470330"/>
           </a:xfrm>
           <a:prstGeom prst="rect">
@@ -16402,7 +16435,7 @@
         </p:blipFill>
         <p:spPr>
           <a:xfrm>
-            <a:off x="6184333" y="1193459"/>
+            <a:off x="6134803" y="2093254"/>
             <a:ext cx="5888082" cy="1867352"/>
           </a:xfrm>
           <a:prstGeom prst="rect">
@@ -16410,6 +16443,185 @@
           </a:prstGeom>
         </p:spPr>
       </p:pic>
+      <p:sp>
+        <p:nvSpPr>
+          <p:cNvPr id="14" name="流程图: 过程 13"/>
+          <p:cNvSpPr/>
+          <p:nvPr/>
+        </p:nvSpPr>
+        <p:spPr>
+          <a:xfrm>
+            <a:off x="504190" y="1945005"/>
+            <a:ext cx="4968240" cy="75565"/>
+          </a:xfrm>
+          <a:prstGeom prst="flowChartProcess">
+            <a:avLst/>
+          </a:prstGeom>
+        </p:spPr>
+        <p:style>
+          <a:lnRef idx="2">
+            <a:schemeClr val="accent1">
+              <a:shade val="50000"/>
+            </a:schemeClr>
+          </a:lnRef>
+          <a:fillRef idx="1">
+            <a:schemeClr val="accent1"/>
+          </a:fillRef>
+          <a:effectRef idx="0">
+            <a:schemeClr val="accent1"/>
+          </a:effectRef>
+          <a:fontRef idx="minor">
+            <a:schemeClr val="lt1"/>
+          </a:fontRef>
+        </p:style>
+        <p:txBody>
+          <a:bodyPr rtlCol="0" anchor="ctr"/>
+          <a:p>
+            <a:pPr algn="ctr"/>
+            <a:endParaRPr lang="zh-CN" altLang="en-US"/>
+          </a:p>
+        </p:txBody>
+      </p:sp>
+      <p:sp>
+        <p:nvSpPr>
+          <p:cNvPr id="4" name="流程图: 过程 3"/>
+          <p:cNvSpPr/>
+          <p:nvPr/>
+        </p:nvSpPr>
+        <p:spPr>
+          <a:xfrm>
+            <a:off x="349250" y="2472055"/>
+            <a:ext cx="4968240" cy="75565"/>
+          </a:xfrm>
+          <a:prstGeom prst="flowChartProcess">
+            <a:avLst/>
+          </a:prstGeom>
+        </p:spPr>
+        <p:style>
+          <a:lnRef idx="2">
+            <a:schemeClr val="accent1">
+              <a:shade val="50000"/>
+            </a:schemeClr>
+          </a:lnRef>
+          <a:fillRef idx="1">
+            <a:schemeClr val="accent1"/>
+          </a:fillRef>
+          <a:effectRef idx="0">
+            <a:schemeClr val="accent1"/>
+          </a:effectRef>
+          <a:fontRef idx="minor">
+            <a:schemeClr val="lt1"/>
+          </a:fontRef>
+        </p:style>
+        <p:txBody>
+          <a:bodyPr rtlCol="0" anchor="ctr"/>
+          <a:p>
+            <a:pPr algn="ctr"/>
+            <a:endParaRPr lang="zh-CN" altLang="en-US"/>
+          </a:p>
+        </p:txBody>
+      </p:sp>
+      <p:sp>
+        <p:nvSpPr>
+          <p:cNvPr id="8" name="文本框 7"/>
+          <p:cNvSpPr txBox="1"/>
+          <p:nvPr/>
+        </p:nvSpPr>
+        <p:spPr>
+          <a:xfrm>
+            <a:off x="164465" y="1136015"/>
+            <a:ext cx="11948160" cy="460375"/>
+          </a:xfrm>
+          <a:prstGeom prst="rect">
+            <a:avLst/>
+          </a:prstGeom>
+          <a:noFill/>
+        </p:spPr>
+        <p:txBody>
+          <a:bodyPr wrap="square" rtlCol="0" anchor="t">
+            <a:spAutoFit/>
+          </a:bodyPr>
+          <a:p>
+            <a:r>
+              <a:rPr lang="en-US" altLang="zh-CN" sz="2400" b="1">
+                <a:solidFill>
+                  <a:srgbClr val="FF0000"/>
+                </a:solidFill>
+              </a:rPr>
+              <a:t>X10</a:t>
+            </a:r>
+            <a:r>
+              <a:rPr lang="zh-CN" altLang="en-US" sz="2400" b="1">
+                <a:solidFill>
+                  <a:srgbClr val="FF0000"/>
+                </a:solidFill>
+              </a:rPr>
+              <a:t>.</a:t>
+            </a:r>
+            <a:r>
+              <a:rPr lang="en-US" altLang="zh-CN" sz="2400" b="1">
+                <a:solidFill>
+                  <a:srgbClr val="FF0000"/>
+                </a:solidFill>
+              </a:rPr>
+              <a:t>1</a:t>
+            </a:r>
+            <a:r>
+              <a:rPr lang="zh-CN" altLang="en-US" sz="2400" b="1">
+                <a:solidFill>
+                  <a:srgbClr val="FF0000"/>
+                </a:solidFill>
+              </a:rPr>
+              <a:t>=read.xlsx('mvstats5.xlsx','d3.1',rowNames=TRUE);</a:t>
+            </a:r>
+            <a:r>
+              <a:rPr lang="en-US" altLang="zh-CN" sz="2400" b="1">
+                <a:solidFill>
+                  <a:srgbClr val="FF0000"/>
+                </a:solidFill>
+              </a:rPr>
+              <a:t>X10</a:t>
+            </a:r>
+            <a:r>
+              <a:rPr lang="zh-CN" altLang="en-US" sz="2400" b="1">
+                <a:solidFill>
+                  <a:srgbClr val="FF0000"/>
+                </a:solidFill>
+              </a:rPr>
+              <a:t>.</a:t>
+            </a:r>
+            <a:r>
+              <a:rPr lang="en-US" altLang="zh-CN" sz="2400" b="1">
+                <a:solidFill>
+                  <a:srgbClr val="FF0000"/>
+                </a:solidFill>
+              </a:rPr>
+              <a:t>1</a:t>
+            </a:r>
+            <a:r>
+              <a:rPr lang="zh-CN" altLang="en-US" sz="2400" b="1">
+                <a:solidFill>
+                  <a:srgbClr val="FF0000"/>
+                </a:solidFill>
+              </a:rPr>
+              <a:t> # </a:t>
+            </a:r>
+            <a:r>
+              <a:rPr lang="en-US" altLang="zh-CN" sz="2400" b="1">
+                <a:solidFill>
+                  <a:srgbClr val="FF0000"/>
+                </a:solidFill>
+              </a:rPr>
+              <a:t>library(openxlsx)</a:t>
+            </a:r>
+            <a:endParaRPr lang="en-US" altLang="zh-CN" sz="2400" b="1">
+              <a:solidFill>
+                <a:srgbClr val="FF0000"/>
+              </a:solidFill>
+            </a:endParaRPr>
+          </a:p>
+        </p:txBody>
+      </p:sp>
     </p:spTree>
   </p:cSld>
   <p:clrMapOvr>
@@ -16774,7 +16986,7 @@
       </p:par>
     </p:tnLst>
     <p:bldLst>
-      <p:bldP spid="17" grpId="0"/>
+      <p:bldP spid="17" grpId="0" bldLvl="0" animBg="1"/>
     </p:bldLst>
   </p:timing>
 </p:sld>
